--- a/SLIC_ppt.pptx
+++ b/SLIC_ppt.pptx
@@ -10,8 +10,8 @@
   <p:sldIdLst>
     <p:sldId id="291" r:id="rId2"/>
     <p:sldId id="277" r:id="rId3"/>
-    <p:sldId id="305" r:id="rId4"/>
-    <p:sldId id="306" r:id="rId5"/>
+    <p:sldId id="306" r:id="rId4"/>
+    <p:sldId id="316" r:id="rId5"/>
     <p:sldId id="307" r:id="rId6"/>
     <p:sldId id="308" r:id="rId7"/>
     <p:sldId id="309" r:id="rId8"/>
@@ -1136,7 +1136,7 @@
     </p:spTree>
     <p:extLst>
       <p:ext uri="{BB962C8B-B14F-4D97-AF65-F5344CB8AC3E}">
-        <p14:creationId xmlns:p14="http://schemas.microsoft.com/office/powerpoint/2010/main" val="4230959971"/>
+        <p14:creationId xmlns:p14="http://schemas.microsoft.com/office/powerpoint/2010/main" val="108463251"/>
       </p:ext>
     </p:extLst>
   </p:cSld>
@@ -1220,7 +1220,7 @@
     </p:spTree>
     <p:extLst>
       <p:ext uri="{BB962C8B-B14F-4D97-AF65-F5344CB8AC3E}">
-        <p14:creationId xmlns:p14="http://schemas.microsoft.com/office/powerpoint/2010/main" val="108463251"/>
+        <p14:creationId xmlns:p14="http://schemas.microsoft.com/office/powerpoint/2010/main" val="2318818864"/>
       </p:ext>
     </p:extLst>
   </p:cSld>
@@ -2338,10 +2338,17 @@
           <a:p>
             <a:pPr algn="ctr"/>
             <a:r>
+              <a:rPr lang="en-US" altLang="zh-CN" dirty="0"/>
+              <a:t>Reporter</a:t>
+            </a:r>
+            <a:r>
               <a:rPr lang="zh-CN" altLang="en-US" dirty="0"/>
-              <a:t>汇报人：纪伟</a:t>
-            </a:r>
-            <a:endParaRPr lang="en-US" altLang="zh-CN" dirty="0"/>
+              <a:t>：</a:t>
+            </a:r>
+            <a:r>
+              <a:rPr lang="en-US" altLang="zh-CN" dirty="0"/>
+              <a:t>Wei Ji</a:t>
+            </a:r>
           </a:p>
         </p:txBody>
       </p:sp>
@@ -4245,8 +4252,8 @@
         </p:nvSpPr>
         <p:spPr>
           <a:xfrm>
-            <a:off x="4423911" y="411781"/>
-            <a:ext cx="3096490" cy="584775"/>
+            <a:off x="3453292" y="411781"/>
+            <a:ext cx="5287025" cy="1077218"/>
           </a:xfrm>
           <a:prstGeom prst="rect">
             <a:avLst/>
@@ -4266,18 +4273,20 @@
           <a:p>
             <a:pPr algn="ctr"/>
             <a:r>
-              <a:rPr lang="en-US" altLang="zh-CN" sz="3200" dirty="0">
-                <a:solidFill>
-                  <a:schemeClr val="tx1">
-                    <a:lumMod val="75000"/>
-                    <a:lumOff val="25000"/>
-                  </a:schemeClr>
-                </a:solidFill>
-                <a:latin typeface="思源黑体 CN Light" panose="020B0300000000000000" pitchFamily="34" charset="-122"/>
-                <a:ea typeface="思源黑体 CN Light" panose="020B0300000000000000" pitchFamily="34" charset="-122"/>
-              </a:rPr>
-              <a:t>BACKGROUND</a:t>
-            </a:r>
+              <a:rPr lang="en-US" altLang="zh-CN" sz="3200" dirty="0"/>
+              <a:t>Existing </a:t>
+            </a:r>
+            <a:r>
+              <a:rPr lang="en-US" altLang="zh-CN" sz="3200" dirty="0" err="1"/>
+              <a:t>superpixel</a:t>
+            </a:r>
+            <a:r>
+              <a:rPr lang="en-US" altLang="zh-CN" sz="3200" dirty="0"/>
+              <a:t> methods</a:t>
+            </a:r>
+          </a:p>
+          <a:p>
+            <a:pPr algn="ctr"/>
             <a:endParaRPr lang="zh-CN" altLang="en-US" sz="3200" dirty="0">
               <a:solidFill>
                 <a:schemeClr val="tx1">
@@ -4299,7 +4308,7 @@
         </p:nvCxnSpPr>
         <p:spPr>
           <a:xfrm>
-            <a:off x="7591467" y="704168"/>
+            <a:off x="8866594" y="704168"/>
             <a:ext cx="1778508" cy="0"/>
           </a:xfrm>
           <a:prstGeom prst="line">
@@ -4334,7 +4343,7 @@
         </p:nvCxnSpPr>
         <p:spPr>
           <a:xfrm>
-            <a:off x="2574459" y="704168"/>
+            <a:off x="1493552" y="704168"/>
             <a:ext cx="1778508" cy="0"/>
           </a:xfrm>
           <a:prstGeom prst="line">
@@ -4409,10 +4418,10 @@
       </p:sp>
       <p:sp>
         <p:nvSpPr>
-          <p:cNvPr id="3" name="文本框 2">
+          <p:cNvPr id="8" name="文本框 7">
             <a:extLst>
               <a:ext uri="{FF2B5EF4-FFF2-40B4-BE49-F238E27FC236}">
-                <a16:creationId xmlns:a16="http://schemas.microsoft.com/office/drawing/2014/main" id="{94BF9E8C-F3A1-4A90-A524-5AC13B69BCA7}"/>
+                <a16:creationId xmlns:a16="http://schemas.microsoft.com/office/drawing/2014/main" id="{D9915FA8-C59F-4A5C-895A-44D55F93CFF5}"/>
               </a:ext>
             </a:extLst>
           </p:cNvPr>
@@ -4421,8 +4430,8 @@
         </p:nvSpPr>
         <p:spPr>
           <a:xfrm>
-            <a:off x="1306114" y="1754567"/>
-            <a:ext cx="10312924" cy="560410"/>
+            <a:off x="669303" y="1640264"/>
+            <a:ext cx="10312924" cy="2677656"/>
           </a:xfrm>
           <a:prstGeom prst="rect">
             <a:avLst/>
@@ -4442,575 +4451,165 @@
               <a:buFont typeface="Arial" panose="020B0604020202020204" pitchFamily="34" charset="0"/>
               <a:buChar char="•"/>
             </a:pPr>
-            <a:endParaRPr lang="en-US" altLang="zh-CN" dirty="0"/>
+            <a:r>
+              <a:rPr lang="en-US" altLang="zh-CN" dirty="0"/>
+              <a:t>Graph-Base Algorithms</a:t>
+            </a:r>
+          </a:p>
+          <a:p>
+            <a:r>
+              <a:rPr lang="en-US" altLang="zh-CN" sz="1600" dirty="0"/>
+              <a:t>	1</a:t>
+            </a:r>
+            <a:r>
+              <a:rPr lang="zh-CN" altLang="en-US" sz="1600" dirty="0"/>
+              <a:t>、</a:t>
+            </a:r>
+            <a:r>
+              <a:rPr lang="en-US" altLang="zh-CN" sz="1600" dirty="0"/>
+              <a:t>treat each pixel as a node, edge weight is the similarity between neighboring </a:t>
+            </a:r>
+            <a:r>
+              <a:rPr lang="en-US" altLang="zh-CN" sz="1600" dirty="0" err="1"/>
+              <a:t>pixels,superpixels</a:t>
+            </a:r>
+            <a:r>
+              <a:rPr lang="en-US" altLang="zh-CN" sz="1600" dirty="0"/>
+              <a:t> are 		created by minimizing a cost function defined over the graph</a:t>
+            </a:r>
+          </a:p>
+          <a:p>
+            <a:r>
+              <a:rPr lang="en-US" altLang="zh-CN" sz="1600" dirty="0"/>
+              <a:t>	2</a:t>
+            </a:r>
+            <a:r>
+              <a:rPr lang="zh-CN" altLang="en-US" sz="1600" dirty="0"/>
+              <a:t>、</a:t>
+            </a:r>
+            <a:r>
+              <a:rPr lang="en-US" altLang="zh-CN" sz="1600" dirty="0"/>
+              <a:t>NC05(Normalized cuts algorithm)</a:t>
+            </a:r>
+            <a:r>
+              <a:rPr lang="zh-CN" altLang="en-US" sz="1600" dirty="0"/>
+              <a:t>、</a:t>
+            </a:r>
+            <a:r>
+              <a:rPr lang="en-US" altLang="zh-CN" sz="1600" dirty="0"/>
+              <a:t>GS04(Graph-based approach)</a:t>
+            </a:r>
+            <a:r>
+              <a:rPr lang="zh-CN" altLang="en-US" sz="1600" dirty="0"/>
+              <a:t>、</a:t>
+            </a:r>
+            <a:r>
+              <a:rPr lang="en-US" altLang="zh-CN" sz="1600" dirty="0"/>
+              <a:t>SL08</a:t>
+            </a:r>
+            <a:r>
+              <a:rPr lang="zh-CN" altLang="en-US" sz="1600" dirty="0"/>
+              <a:t>、</a:t>
+            </a:r>
+            <a:r>
+              <a:rPr lang="en-US" altLang="zh-CN" sz="1600" dirty="0"/>
+              <a:t>GCa10</a:t>
+            </a:r>
+            <a:r>
+              <a:rPr lang="zh-CN" altLang="en-US" sz="1600" dirty="0"/>
+              <a:t>、</a:t>
+            </a:r>
+            <a:r>
+              <a:rPr lang="en-US" altLang="zh-CN" sz="1600" dirty="0"/>
+              <a:t>GCb10</a:t>
+            </a:r>
+          </a:p>
+          <a:p>
+            <a:pPr marL="285750" indent="-285750">
+              <a:lnSpc>
+                <a:spcPct val="200000"/>
+              </a:lnSpc>
+              <a:buFont typeface="Arial" panose="020B0604020202020204" pitchFamily="34" charset="0"/>
+              <a:buChar char="•"/>
+            </a:pPr>
+            <a:r>
+              <a:rPr lang="en-US" altLang="zh-CN" dirty="0"/>
+              <a:t>Gradient-Ascent-Based Algorithms</a:t>
+            </a:r>
+          </a:p>
+          <a:p>
+            <a:pPr marL="457200" lvl="2"/>
+            <a:r>
+              <a:rPr lang="en-US" altLang="zh-CN" sz="1600" dirty="0"/>
+              <a:t>1</a:t>
+            </a:r>
+            <a:r>
+              <a:rPr lang="zh-CN" altLang="en-US" sz="1600" dirty="0"/>
+              <a:t>、</a:t>
+            </a:r>
+            <a:r>
+              <a:rPr lang="en-US" altLang="zh-CN" sz="1600" dirty="0"/>
+              <a:t>initial clustering of pixels, do gradient ascent methods iteratively refine the clusters until some      convergence criterion is met to form </a:t>
+            </a:r>
+            <a:r>
+              <a:rPr lang="en-US" altLang="zh-CN" sz="1600" dirty="0" err="1"/>
+              <a:t>superpixels</a:t>
+            </a:r>
+            <a:endParaRPr lang="en-US" altLang="zh-CN" sz="1600" dirty="0"/>
+          </a:p>
+          <a:p>
+            <a:pPr marL="457200" lvl="2"/>
+            <a:r>
+              <a:rPr lang="en-US" altLang="zh-CN" sz="1600" dirty="0"/>
+              <a:t>2</a:t>
+            </a:r>
+            <a:r>
+              <a:rPr lang="zh-CN" altLang="en-US" sz="1600" dirty="0"/>
+              <a:t>、</a:t>
+            </a:r>
+            <a:r>
+              <a:rPr lang="en-US" altLang="zh-CN" sz="1600" dirty="0"/>
+              <a:t>MS02(mean shift) </a:t>
+            </a:r>
+            <a:r>
+              <a:rPr lang="zh-CN" altLang="en-US" sz="1600" dirty="0"/>
+              <a:t>、</a:t>
+            </a:r>
+            <a:r>
+              <a:rPr lang="en-US" altLang="zh-CN" sz="1600" dirty="0"/>
+              <a:t>QS08(quick shift)</a:t>
+            </a:r>
+            <a:r>
+              <a:rPr lang="zh-CN" altLang="en-US" sz="1600" dirty="0"/>
+              <a:t>、</a:t>
+            </a:r>
+            <a:r>
+              <a:rPr lang="en-US" altLang="zh-CN" sz="1600" dirty="0"/>
+              <a:t>WS91(watershed approach)</a:t>
+            </a:r>
+            <a:r>
+              <a:rPr lang="zh-CN" altLang="en-US" sz="1600" dirty="0"/>
+              <a:t>、</a:t>
+            </a:r>
+            <a:r>
+              <a:rPr lang="en-US" altLang="zh-CN" sz="1600" dirty="0"/>
+              <a:t>TP09(</a:t>
+            </a:r>
+            <a:r>
+              <a:rPr lang="en-US" altLang="zh-CN" sz="1600" dirty="0" err="1"/>
+              <a:t>turbopixel</a:t>
+            </a:r>
+            <a:r>
+              <a:rPr lang="en-US" altLang="zh-CN" sz="1600" dirty="0"/>
+              <a:t>)</a:t>
+            </a:r>
           </a:p>
         </p:txBody>
       </p:sp>
-      <p:sp>
-        <p:nvSpPr>
-          <p:cNvPr id="2" name="矩形: 圆角 1">
-            <a:extLst>
-              <a:ext uri="{FF2B5EF4-FFF2-40B4-BE49-F238E27FC236}">
-                <a16:creationId xmlns:a16="http://schemas.microsoft.com/office/drawing/2014/main" id="{04043293-98E6-4B5A-864D-E841FF4C0741}"/>
-              </a:ext>
-            </a:extLst>
-          </p:cNvPr>
-          <p:cNvSpPr/>
-          <p:nvPr/>
-        </p:nvSpPr>
-        <p:spPr>
-          <a:xfrm>
-            <a:off x="1306114" y="3209301"/>
-            <a:ext cx="2629068" cy="849086"/>
-          </a:xfrm>
-          <a:prstGeom prst="roundRect">
-            <a:avLst/>
-          </a:prstGeom>
-          <a:solidFill>
-            <a:schemeClr val="accent6">
-              <a:lumMod val="75000"/>
-            </a:schemeClr>
-          </a:solidFill>
-        </p:spPr>
-        <p:style>
-          <a:lnRef idx="2">
-            <a:schemeClr val="accent6"/>
-          </a:lnRef>
-          <a:fillRef idx="1">
-            <a:schemeClr val="lt1"/>
-          </a:fillRef>
-          <a:effectRef idx="0">
-            <a:schemeClr val="accent6"/>
-          </a:effectRef>
-          <a:fontRef idx="minor">
-            <a:schemeClr val="dk1"/>
-          </a:fontRef>
-        </p:style>
-        <p:txBody>
-          <a:bodyPr rtlCol="0" anchor="ctr"/>
-          <a:lstStyle/>
-          <a:p>
-            <a:pPr algn="ctr"/>
-            <a:r>
-              <a:rPr lang="en-US" altLang="zh-CN" sz="2000" b="1" dirty="0">
-                <a:solidFill>
-                  <a:schemeClr val="bg1"/>
-                </a:solidFill>
-              </a:rPr>
-              <a:t>Text representation</a:t>
-            </a:r>
-            <a:endParaRPr lang="zh-CN" altLang="en-US" sz="2000" b="1" dirty="0">
-              <a:solidFill>
-                <a:schemeClr val="bg1"/>
-              </a:solidFill>
-            </a:endParaRPr>
-          </a:p>
-        </p:txBody>
-      </p:sp>
-      <p:sp>
-        <p:nvSpPr>
-          <p:cNvPr id="8" name="矩形: 圆角 7">
-            <a:extLst>
-              <a:ext uri="{FF2B5EF4-FFF2-40B4-BE49-F238E27FC236}">
-                <a16:creationId xmlns:a16="http://schemas.microsoft.com/office/drawing/2014/main" id="{851AFF14-773D-435E-9FFF-5BCD64891ABE}"/>
-              </a:ext>
-            </a:extLst>
-          </p:cNvPr>
-          <p:cNvSpPr/>
-          <p:nvPr/>
-        </p:nvSpPr>
-        <p:spPr>
-          <a:xfrm>
-            <a:off x="4773214" y="1754567"/>
-            <a:ext cx="2629068" cy="849086"/>
-          </a:xfrm>
-          <a:prstGeom prst="roundRect">
-            <a:avLst/>
-          </a:prstGeom>
-          <a:solidFill>
-            <a:schemeClr val="accent6">
-              <a:lumMod val="75000"/>
-            </a:schemeClr>
-          </a:solidFill>
-        </p:spPr>
-        <p:style>
-          <a:lnRef idx="2">
-            <a:schemeClr val="accent6"/>
-          </a:lnRef>
-          <a:fillRef idx="1">
-            <a:schemeClr val="lt1"/>
-          </a:fillRef>
-          <a:effectRef idx="0">
-            <a:schemeClr val="accent6"/>
-          </a:effectRef>
-          <a:fontRef idx="minor">
-            <a:schemeClr val="dk1"/>
-          </a:fontRef>
-        </p:style>
-        <p:txBody>
-          <a:bodyPr rtlCol="0" anchor="ctr"/>
-          <a:lstStyle/>
-          <a:p>
-            <a:pPr algn="ctr"/>
-            <a:r>
-              <a:rPr lang="en-US" altLang="zh-CN" sz="2000" b="1" dirty="0">
-                <a:solidFill>
-                  <a:schemeClr val="bg1"/>
-                </a:solidFill>
-              </a:rPr>
-              <a:t>Integer</a:t>
-            </a:r>
-            <a:endParaRPr lang="zh-CN" altLang="en-US" sz="2000" b="1" dirty="0">
-              <a:solidFill>
-                <a:schemeClr val="bg1"/>
-              </a:solidFill>
-            </a:endParaRPr>
-          </a:p>
-        </p:txBody>
-      </p:sp>
-      <p:sp>
-        <p:nvSpPr>
-          <p:cNvPr id="9" name="矩形: 圆角 8">
-            <a:extLst>
-              <a:ext uri="{FF2B5EF4-FFF2-40B4-BE49-F238E27FC236}">
-                <a16:creationId xmlns:a16="http://schemas.microsoft.com/office/drawing/2014/main" id="{7FFEFD5D-7CFA-4853-BFD8-A57289EDB003}"/>
-              </a:ext>
-            </a:extLst>
-          </p:cNvPr>
-          <p:cNvSpPr/>
-          <p:nvPr/>
-        </p:nvSpPr>
-        <p:spPr>
-          <a:xfrm>
-            <a:off x="4773214" y="3209301"/>
-            <a:ext cx="2629068" cy="849086"/>
-          </a:xfrm>
-          <a:prstGeom prst="roundRect">
-            <a:avLst/>
-          </a:prstGeom>
-          <a:solidFill>
-            <a:schemeClr val="accent6">
-              <a:lumMod val="75000"/>
-            </a:schemeClr>
-          </a:solidFill>
-        </p:spPr>
-        <p:style>
-          <a:lnRef idx="2">
-            <a:schemeClr val="accent6"/>
-          </a:lnRef>
-          <a:fillRef idx="1">
-            <a:schemeClr val="lt1"/>
-          </a:fillRef>
-          <a:effectRef idx="0">
-            <a:schemeClr val="accent6"/>
-          </a:effectRef>
-          <a:fontRef idx="minor">
-            <a:schemeClr val="dk1"/>
-          </a:fontRef>
-        </p:style>
-        <p:txBody>
-          <a:bodyPr rtlCol="0" anchor="ctr"/>
-          <a:lstStyle/>
-          <a:p>
-            <a:pPr algn="ctr"/>
-            <a:r>
-              <a:rPr lang="en-US" altLang="zh-CN" sz="2000" b="1" dirty="0">
-                <a:solidFill>
-                  <a:schemeClr val="bg1"/>
-                </a:solidFill>
-              </a:rPr>
-              <a:t>One-hot</a:t>
-            </a:r>
-            <a:endParaRPr lang="zh-CN" altLang="en-US" sz="2000" b="1" dirty="0">
-              <a:solidFill>
-                <a:schemeClr val="bg1"/>
-              </a:solidFill>
-            </a:endParaRPr>
-          </a:p>
-        </p:txBody>
-      </p:sp>
-      <p:sp>
-        <p:nvSpPr>
-          <p:cNvPr id="10" name="矩形: 圆角 9">
-            <a:extLst>
-              <a:ext uri="{FF2B5EF4-FFF2-40B4-BE49-F238E27FC236}">
-                <a16:creationId xmlns:a16="http://schemas.microsoft.com/office/drawing/2014/main" id="{51A8DC55-A10A-443F-AA01-C6964DAA3D31}"/>
-              </a:ext>
-            </a:extLst>
-          </p:cNvPr>
-          <p:cNvSpPr/>
-          <p:nvPr/>
-        </p:nvSpPr>
-        <p:spPr>
-          <a:xfrm>
-            <a:off x="4773214" y="4622436"/>
-            <a:ext cx="2629068" cy="849086"/>
-          </a:xfrm>
-          <a:prstGeom prst="roundRect">
-            <a:avLst/>
-          </a:prstGeom>
-          <a:solidFill>
-            <a:schemeClr val="accent6">
-              <a:lumMod val="75000"/>
-            </a:schemeClr>
-          </a:solidFill>
-        </p:spPr>
-        <p:style>
-          <a:lnRef idx="2">
-            <a:schemeClr val="accent6"/>
-          </a:lnRef>
-          <a:fillRef idx="1">
-            <a:schemeClr val="lt1"/>
-          </a:fillRef>
-          <a:effectRef idx="0">
-            <a:schemeClr val="accent6"/>
-          </a:effectRef>
-          <a:fontRef idx="minor">
-            <a:schemeClr val="dk1"/>
-          </a:fontRef>
-        </p:style>
-        <p:txBody>
-          <a:bodyPr rtlCol="0" anchor="ctr"/>
-          <a:lstStyle/>
-          <a:p>
-            <a:pPr algn="ctr"/>
-            <a:r>
-              <a:rPr lang="en-US" altLang="zh-CN" sz="2000" b="1" dirty="0">
-                <a:solidFill>
-                  <a:schemeClr val="bg1"/>
-                </a:solidFill>
-              </a:rPr>
-              <a:t>Word embedding</a:t>
-            </a:r>
-            <a:endParaRPr lang="zh-CN" altLang="en-US" sz="2000" b="1" dirty="0">
-              <a:solidFill>
-                <a:schemeClr val="bg1"/>
-              </a:solidFill>
-            </a:endParaRPr>
-          </a:p>
-        </p:txBody>
-      </p:sp>
-      <p:sp>
-        <p:nvSpPr>
-          <p:cNvPr id="12" name="矩形: 圆角 11">
-            <a:extLst>
-              <a:ext uri="{FF2B5EF4-FFF2-40B4-BE49-F238E27FC236}">
-                <a16:creationId xmlns:a16="http://schemas.microsoft.com/office/drawing/2014/main" id="{01309702-B728-4AE0-B711-0462F735F36C}"/>
-              </a:ext>
-            </a:extLst>
-          </p:cNvPr>
-          <p:cNvSpPr/>
-          <p:nvPr/>
-        </p:nvSpPr>
-        <p:spPr>
-          <a:xfrm>
-            <a:off x="8517900" y="4014577"/>
-            <a:ext cx="2629068" cy="849086"/>
-          </a:xfrm>
-          <a:prstGeom prst="roundRect">
-            <a:avLst/>
-          </a:prstGeom>
-          <a:solidFill>
-            <a:schemeClr val="accent6">
-              <a:lumMod val="75000"/>
-            </a:schemeClr>
-          </a:solidFill>
-        </p:spPr>
-        <p:style>
-          <a:lnRef idx="2">
-            <a:schemeClr val="accent6"/>
-          </a:lnRef>
-          <a:fillRef idx="1">
-            <a:schemeClr val="lt1"/>
-          </a:fillRef>
-          <a:effectRef idx="0">
-            <a:schemeClr val="accent6"/>
-          </a:effectRef>
-          <a:fontRef idx="minor">
-            <a:schemeClr val="dk1"/>
-          </a:fontRef>
-        </p:style>
-        <p:txBody>
-          <a:bodyPr rtlCol="0" anchor="ctr"/>
-          <a:lstStyle/>
-          <a:p>
-            <a:pPr algn="ctr"/>
-            <a:r>
-              <a:rPr lang="en-US" altLang="zh-CN" sz="2000" b="1" dirty="0">
-                <a:solidFill>
-                  <a:schemeClr val="bg1"/>
-                </a:solidFill>
-              </a:rPr>
-              <a:t>Word2vec</a:t>
-            </a:r>
-            <a:endParaRPr lang="zh-CN" altLang="en-US" sz="2000" b="1" dirty="0">
-              <a:solidFill>
-                <a:schemeClr val="bg1"/>
-              </a:solidFill>
-            </a:endParaRPr>
-          </a:p>
-        </p:txBody>
-      </p:sp>
-      <p:sp>
-        <p:nvSpPr>
-          <p:cNvPr id="14" name="矩形: 圆角 13">
-            <a:extLst>
-              <a:ext uri="{FF2B5EF4-FFF2-40B4-BE49-F238E27FC236}">
-                <a16:creationId xmlns:a16="http://schemas.microsoft.com/office/drawing/2014/main" id="{16AB7373-6092-4C38-8489-834CAF0ECF85}"/>
-              </a:ext>
-            </a:extLst>
-          </p:cNvPr>
-          <p:cNvSpPr/>
-          <p:nvPr/>
-        </p:nvSpPr>
-        <p:spPr>
-          <a:xfrm>
-            <a:off x="8517900" y="5141248"/>
-            <a:ext cx="2629068" cy="849086"/>
-          </a:xfrm>
-          <a:prstGeom prst="roundRect">
-            <a:avLst/>
-          </a:prstGeom>
-          <a:solidFill>
-            <a:schemeClr val="accent6">
-              <a:lumMod val="75000"/>
-            </a:schemeClr>
-          </a:solidFill>
-        </p:spPr>
-        <p:style>
-          <a:lnRef idx="2">
-            <a:schemeClr val="accent6"/>
-          </a:lnRef>
-          <a:fillRef idx="1">
-            <a:schemeClr val="lt1"/>
-          </a:fillRef>
-          <a:effectRef idx="0">
-            <a:schemeClr val="accent6"/>
-          </a:effectRef>
-          <a:fontRef idx="minor">
-            <a:schemeClr val="dk1"/>
-          </a:fontRef>
-        </p:style>
-        <p:txBody>
-          <a:bodyPr rtlCol="0" anchor="ctr"/>
-          <a:lstStyle/>
-          <a:p>
-            <a:pPr algn="ctr"/>
-            <a:r>
-              <a:rPr lang="en-US" altLang="zh-CN" sz="2000" b="1" dirty="0" err="1">
-                <a:solidFill>
-                  <a:schemeClr val="bg1"/>
-                </a:solidFill>
-              </a:rPr>
-              <a:t>GloVe</a:t>
-            </a:r>
-            <a:endParaRPr lang="zh-CN" altLang="en-US" sz="2000" b="1" dirty="0">
-              <a:solidFill>
-                <a:schemeClr val="bg1"/>
-              </a:solidFill>
-            </a:endParaRPr>
-          </a:p>
-        </p:txBody>
-      </p:sp>
-      <p:cxnSp>
-        <p:nvCxnSpPr>
-          <p:cNvPr id="16" name="连接符: 肘形 15">
-            <a:extLst>
-              <a:ext uri="{FF2B5EF4-FFF2-40B4-BE49-F238E27FC236}">
-                <a16:creationId xmlns:a16="http://schemas.microsoft.com/office/drawing/2014/main" id="{B2F6A738-68D9-486F-AB56-7B278F8F81CE}"/>
-              </a:ext>
-            </a:extLst>
-          </p:cNvPr>
-          <p:cNvCxnSpPr>
-            <a:stCxn id="2" idx="3"/>
-            <a:endCxn id="8" idx="1"/>
-          </p:cNvCxnSpPr>
-          <p:nvPr/>
-        </p:nvCxnSpPr>
-        <p:spPr>
-          <a:xfrm flipV="1">
-            <a:off x="3935182" y="2179110"/>
-            <a:ext cx="838032" cy="1454734"/>
-          </a:xfrm>
-          <a:prstGeom prst="bentConnector3">
-            <a:avLst/>
-          </a:prstGeom>
-        </p:spPr>
-        <p:style>
-          <a:lnRef idx="1">
-            <a:schemeClr val="accent1"/>
-          </a:lnRef>
-          <a:fillRef idx="0">
-            <a:schemeClr val="accent1"/>
-          </a:fillRef>
-          <a:effectRef idx="0">
-            <a:schemeClr val="accent1"/>
-          </a:effectRef>
-          <a:fontRef idx="minor">
-            <a:schemeClr val="tx1"/>
-          </a:fontRef>
-        </p:style>
-      </p:cxnSp>
-      <p:cxnSp>
-        <p:nvCxnSpPr>
-          <p:cNvPr id="18" name="连接符: 肘形 17">
-            <a:extLst>
-              <a:ext uri="{FF2B5EF4-FFF2-40B4-BE49-F238E27FC236}">
-                <a16:creationId xmlns:a16="http://schemas.microsoft.com/office/drawing/2014/main" id="{EEC0C023-5B9F-4291-AAC0-D303CBCA5EB4}"/>
-              </a:ext>
-            </a:extLst>
-          </p:cNvPr>
-          <p:cNvCxnSpPr>
-            <a:stCxn id="2" idx="3"/>
-            <a:endCxn id="9" idx="1"/>
-          </p:cNvCxnSpPr>
-          <p:nvPr/>
-        </p:nvCxnSpPr>
-        <p:spPr>
-          <a:xfrm>
-            <a:off x="3935182" y="3633844"/>
-            <a:ext cx="838032" cy="12700"/>
-          </a:xfrm>
-          <a:prstGeom prst="bentConnector3">
-            <a:avLst/>
-          </a:prstGeom>
-        </p:spPr>
-        <p:style>
-          <a:lnRef idx="1">
-            <a:schemeClr val="accent1"/>
-          </a:lnRef>
-          <a:fillRef idx="0">
-            <a:schemeClr val="accent1"/>
-          </a:fillRef>
-          <a:effectRef idx="0">
-            <a:schemeClr val="accent1"/>
-          </a:effectRef>
-          <a:fontRef idx="minor">
-            <a:schemeClr val="tx1"/>
-          </a:fontRef>
-        </p:style>
-      </p:cxnSp>
-      <p:cxnSp>
-        <p:nvCxnSpPr>
-          <p:cNvPr id="20" name="连接符: 肘形 19">
-            <a:extLst>
-              <a:ext uri="{FF2B5EF4-FFF2-40B4-BE49-F238E27FC236}">
-                <a16:creationId xmlns:a16="http://schemas.microsoft.com/office/drawing/2014/main" id="{3DD184F6-8EA8-4EA3-AA2F-593312E7F5BD}"/>
-              </a:ext>
-            </a:extLst>
-          </p:cNvPr>
-          <p:cNvCxnSpPr>
-            <a:stCxn id="2" idx="3"/>
-            <a:endCxn id="10" idx="1"/>
-          </p:cNvCxnSpPr>
-          <p:nvPr/>
-        </p:nvCxnSpPr>
-        <p:spPr>
-          <a:xfrm>
-            <a:off x="3935182" y="3633844"/>
-            <a:ext cx="838032" cy="1413135"/>
-          </a:xfrm>
-          <a:prstGeom prst="bentConnector3">
-            <a:avLst/>
-          </a:prstGeom>
-        </p:spPr>
-        <p:style>
-          <a:lnRef idx="1">
-            <a:schemeClr val="accent1"/>
-          </a:lnRef>
-          <a:fillRef idx="0">
-            <a:schemeClr val="accent1"/>
-          </a:fillRef>
-          <a:effectRef idx="0">
-            <a:schemeClr val="accent1"/>
-          </a:effectRef>
-          <a:fontRef idx="minor">
-            <a:schemeClr val="tx1"/>
-          </a:fontRef>
-        </p:style>
-      </p:cxnSp>
-      <p:cxnSp>
-        <p:nvCxnSpPr>
-          <p:cNvPr id="22" name="连接符: 肘形 21">
-            <a:extLst>
-              <a:ext uri="{FF2B5EF4-FFF2-40B4-BE49-F238E27FC236}">
-                <a16:creationId xmlns:a16="http://schemas.microsoft.com/office/drawing/2014/main" id="{C13507C3-691A-4964-A4D5-310581142C00}"/>
-              </a:ext>
-            </a:extLst>
-          </p:cNvPr>
-          <p:cNvCxnSpPr>
-            <a:stCxn id="10" idx="3"/>
-            <a:endCxn id="12" idx="1"/>
-          </p:cNvCxnSpPr>
-          <p:nvPr/>
-        </p:nvCxnSpPr>
-        <p:spPr>
-          <a:xfrm flipV="1">
-            <a:off x="7402282" y="4439120"/>
-            <a:ext cx="1115618" cy="607859"/>
-          </a:xfrm>
-          <a:prstGeom prst="bentConnector3">
-            <a:avLst/>
-          </a:prstGeom>
-        </p:spPr>
-        <p:style>
-          <a:lnRef idx="1">
-            <a:schemeClr val="accent1"/>
-          </a:lnRef>
-          <a:fillRef idx="0">
-            <a:schemeClr val="accent1"/>
-          </a:fillRef>
-          <a:effectRef idx="0">
-            <a:schemeClr val="accent1"/>
-          </a:effectRef>
-          <a:fontRef idx="minor">
-            <a:schemeClr val="tx1"/>
-          </a:fontRef>
-        </p:style>
-      </p:cxnSp>
-      <p:cxnSp>
-        <p:nvCxnSpPr>
-          <p:cNvPr id="24" name="连接符: 肘形 23">
-            <a:extLst>
-              <a:ext uri="{FF2B5EF4-FFF2-40B4-BE49-F238E27FC236}">
-                <a16:creationId xmlns:a16="http://schemas.microsoft.com/office/drawing/2014/main" id="{92B96872-8E46-4209-8F85-9A23CB9B1330}"/>
-              </a:ext>
-            </a:extLst>
-          </p:cNvPr>
-          <p:cNvCxnSpPr>
-            <a:stCxn id="10" idx="3"/>
-            <a:endCxn id="14" idx="1"/>
-          </p:cNvCxnSpPr>
-          <p:nvPr/>
-        </p:nvCxnSpPr>
-        <p:spPr>
-          <a:xfrm>
-            <a:off x="7402282" y="5046979"/>
-            <a:ext cx="1115618" cy="518812"/>
-          </a:xfrm>
-          <a:prstGeom prst="bentConnector3">
-            <a:avLst/>
-          </a:prstGeom>
-        </p:spPr>
-        <p:style>
-          <a:lnRef idx="1">
-            <a:schemeClr val="accent1"/>
-          </a:lnRef>
-          <a:fillRef idx="0">
-            <a:schemeClr val="accent1"/>
-          </a:fillRef>
-          <a:effectRef idx="0">
-            <a:schemeClr val="accent1"/>
-          </a:effectRef>
-          <a:fontRef idx="minor">
-            <a:schemeClr val="tx1"/>
-          </a:fontRef>
-        </p:style>
-      </p:cxnSp>
     </p:spTree>
     <p:extLst>
       <p:ext uri="{BB962C8B-B14F-4D97-AF65-F5344CB8AC3E}">
-        <p14:creationId xmlns:p14="http://schemas.microsoft.com/office/powerpoint/2010/main" val="3634514478"/>
+        <p14:creationId xmlns:p14="http://schemas.microsoft.com/office/powerpoint/2010/main" val="1489286719"/>
       </p:ext>
     </p:extLst>
   </p:cSld>
@@ -5048,8 +4647,8 @@
         </p:nvSpPr>
         <p:spPr>
           <a:xfrm>
-            <a:off x="4423911" y="411781"/>
-            <a:ext cx="3096490" cy="584775"/>
+            <a:off x="4166038" y="387387"/>
+            <a:ext cx="3873176" cy="1569660"/>
           </a:xfrm>
           <a:prstGeom prst="rect">
             <a:avLst/>
@@ -5069,18 +4668,16 @@
           <a:p>
             <a:pPr algn="ctr"/>
             <a:r>
-              <a:rPr lang="en-US" altLang="zh-CN" sz="3200" dirty="0">
-                <a:solidFill>
-                  <a:schemeClr val="tx1">
-                    <a:lumMod val="75000"/>
-                    <a:lumOff val="25000"/>
-                  </a:schemeClr>
-                </a:solidFill>
-                <a:latin typeface="思源黑体 CN Light" panose="020B0300000000000000" pitchFamily="34" charset="-122"/>
-                <a:ea typeface="思源黑体 CN Light" panose="020B0300000000000000" pitchFamily="34" charset="-122"/>
-              </a:rPr>
-              <a:t>BACKGROUND</a:t>
-            </a:r>
+              <a:rPr lang="en-US" altLang="zh-CN" sz="3200" dirty="0"/>
+              <a:t>Algorithm procedure</a:t>
+            </a:r>
+          </a:p>
+          <a:p>
+            <a:pPr algn="ctr"/>
+            <a:endParaRPr lang="en-US" altLang="zh-CN" sz="3200" dirty="0"/>
+          </a:p>
+          <a:p>
+            <a:pPr algn="ctr"/>
             <a:endParaRPr lang="zh-CN" altLang="en-US" sz="3200" dirty="0">
               <a:solidFill>
                 <a:schemeClr val="tx1">
@@ -5102,7 +4699,7 @@
         </p:nvCxnSpPr>
         <p:spPr>
           <a:xfrm>
-            <a:off x="7591467" y="704168"/>
+            <a:off x="8119974" y="711543"/>
             <a:ext cx="1778508" cy="0"/>
           </a:xfrm>
           <a:prstGeom prst="line">
@@ -5137,7 +4734,7 @@
         </p:nvCxnSpPr>
         <p:spPr>
           <a:xfrm>
-            <a:off x="2574459" y="704168"/>
+            <a:off x="2337196" y="703661"/>
             <a:ext cx="1778508" cy="0"/>
           </a:xfrm>
           <a:prstGeom prst="line">
@@ -5212,10 +4809,10 @@
       </p:sp>
       <p:pic>
         <p:nvPicPr>
-          <p:cNvPr id="4" name="图片 3">
+          <p:cNvPr id="3" name="图片 2">
             <a:extLst>
               <a:ext uri="{FF2B5EF4-FFF2-40B4-BE49-F238E27FC236}">
-                <a16:creationId xmlns:a16="http://schemas.microsoft.com/office/drawing/2014/main" id="{8E9F8B71-D726-48AC-BF4D-9D5E0A823ABA}"/>
+                <a16:creationId xmlns:a16="http://schemas.microsoft.com/office/drawing/2014/main" id="{CEDB5F97-82E3-4A5D-9CDE-AD82B4CE99B9}"/>
               </a:ext>
             </a:extLst>
           </p:cNvPr>
@@ -5224,78 +4821,186 @@
           </p:cNvPicPr>
           <p:nvPr/>
         </p:nvPicPr>
-        <p:blipFill rotWithShape="1">
-          <a:blip r:embed="rId3">
-            <a:extLst>
-              <a:ext uri="{BEBA8EAE-BF5A-486C-A8C5-ECC9F3942E4B}">
-                <a14:imgProps xmlns:a14="http://schemas.microsoft.com/office/drawing/2010/main">
-                  <a14:imgLayer r:embed="rId4">
-                    <a14:imgEffect>
-                      <a14:brightnessContrast contrast="-40000"/>
-                    </a14:imgEffect>
-                  </a14:imgLayer>
-                </a14:imgProps>
-              </a:ext>
-            </a:extLst>
-          </a:blip>
-          <a:srcRect b="2975"/>
-          <a:stretch/>
+        <p:blipFill>
+          <a:blip r:embed="rId3"/>
+          <a:stretch>
+            <a:fillRect/>
+          </a:stretch>
         </p:blipFill>
         <p:spPr>
           <a:xfrm>
-            <a:off x="2382806" y="1081098"/>
-            <a:ext cx="7873270" cy="4591048"/>
+            <a:off x="6102626" y="3018020"/>
+            <a:ext cx="3372710" cy="1569660"/>
           </a:xfrm>
           <a:prstGeom prst="rect">
             <a:avLst/>
           </a:prstGeom>
         </p:spPr>
       </p:pic>
-      <p:sp>
-        <p:nvSpPr>
-          <p:cNvPr id="5" name="矩形 4">
+      <p:pic>
+        <p:nvPicPr>
+          <p:cNvPr id="5" name="图片 4">
             <a:extLst>
               <a:ext uri="{FF2B5EF4-FFF2-40B4-BE49-F238E27FC236}">
-                <a16:creationId xmlns:a16="http://schemas.microsoft.com/office/drawing/2014/main" id="{CA313626-6C67-4F2A-BF95-CF1547E4581E}"/>
+                <a16:creationId xmlns:a16="http://schemas.microsoft.com/office/drawing/2014/main" id="{F47EE41C-26E6-4B9A-B805-5FC9AF397410}"/>
               </a:ext>
             </a:extLst>
           </p:cNvPr>
-          <p:cNvSpPr/>
-          <p:nvPr/>
-        </p:nvSpPr>
-        <p:spPr>
-          <a:xfrm>
-            <a:off x="2234492" y="5749403"/>
-            <a:ext cx="8169897" cy="707886"/>
+          <p:cNvPicPr>
+            <a:picLocks noChangeAspect="1"/>
+          </p:cNvPicPr>
+          <p:nvPr/>
+        </p:nvPicPr>
+        <p:blipFill>
+          <a:blip r:embed="rId4"/>
+          <a:stretch>
+            <a:fillRect/>
+          </a:stretch>
+        </p:blipFill>
+        <p:spPr>
+          <a:xfrm>
+            <a:off x="739867" y="1221793"/>
+            <a:ext cx="4006982" cy="4426860"/>
           </a:xfrm>
           <a:prstGeom prst="rect">
             <a:avLst/>
           </a:prstGeom>
         </p:spPr>
+      </p:pic>
+      <p:sp>
+        <p:nvSpPr>
+          <p:cNvPr id="6" name="文本框 5">
+            <a:extLst>
+              <a:ext uri="{FF2B5EF4-FFF2-40B4-BE49-F238E27FC236}">
+                <a16:creationId xmlns:a16="http://schemas.microsoft.com/office/drawing/2014/main" id="{89B7ADAE-6DF4-47CE-A44A-3D2CF8C3B78D}"/>
+              </a:ext>
+            </a:extLst>
+          </p:cNvPr>
+          <p:cNvSpPr txBox="1"/>
+          <p:nvPr/>
+        </p:nvSpPr>
+        <p:spPr>
+          <a:xfrm>
+            <a:off x="6102626" y="1195110"/>
+            <a:ext cx="1821332" cy="1631216"/>
+          </a:xfrm>
+          <a:prstGeom prst="rect">
+            <a:avLst/>
+          </a:prstGeom>
+          <a:noFill/>
+        </p:spPr>
         <p:txBody>
-          <a:bodyPr wrap="square">
+          <a:bodyPr wrap="none" rtlCol="0">
             <a:spAutoFit/>
           </a:bodyPr>
           <a:lstStyle/>
           <a:p>
             <a:r>
-              <a:rPr lang="zh-CN" altLang="en-US" sz="2000" dirty="0"/>
-              <a:t>The CBOW architecture predicts the current word based on the context, </a:t>
-            </a:r>
-            <a:endParaRPr lang="en-US" altLang="zh-CN" sz="2000" dirty="0"/>
-          </a:p>
-          <a:p>
-            <a:r>
-              <a:rPr lang="zh-CN" altLang="en-US" sz="2000" dirty="0"/>
-              <a:t>and the Skip-gram predicts surrounding words given the current word.</a:t>
-            </a:r>
+              <a:rPr lang="en-US" altLang="zh-CN" sz="2000" dirty="0">
+                <a:latin typeface="Microsoft Uighur" panose="02000000000000000000" pitchFamily="2" charset="-78"/>
+                <a:ea typeface="+mj-ea"/>
+                <a:cs typeface="Microsoft Uighur" panose="02000000000000000000" pitchFamily="2" charset="-78"/>
+              </a:rPr>
+              <a:t>LAB Image [</a:t>
+            </a:r>
+            <a:r>
+              <a:rPr lang="en-US" altLang="zh-CN" sz="2000" dirty="0" err="1">
+                <a:latin typeface="Microsoft Uighur" panose="02000000000000000000" pitchFamily="2" charset="-78"/>
+                <a:ea typeface="+mj-ea"/>
+                <a:cs typeface="Microsoft Uighur" panose="02000000000000000000" pitchFamily="2" charset="-78"/>
+              </a:rPr>
+              <a:t>l,a,b,x,y</a:t>
+            </a:r>
+            <a:r>
+              <a:rPr lang="en-US" altLang="zh-CN" sz="2000" dirty="0">
+                <a:latin typeface="Microsoft Uighur" panose="02000000000000000000" pitchFamily="2" charset="-78"/>
+                <a:ea typeface="+mj-ea"/>
+                <a:cs typeface="Microsoft Uighur" panose="02000000000000000000" pitchFamily="2" charset="-78"/>
+              </a:rPr>
+              <a:t>] : </a:t>
+            </a:r>
+          </a:p>
+          <a:p>
+            <a:r>
+              <a:rPr lang="en-US" altLang="zh-CN" sz="2000" dirty="0">
+                <a:latin typeface="Microsoft Uighur" panose="02000000000000000000" pitchFamily="2" charset="-78"/>
+                <a:ea typeface="+mj-ea"/>
+                <a:cs typeface="Microsoft Uighur" panose="02000000000000000000" pitchFamily="2" charset="-78"/>
+              </a:rPr>
+              <a:t>l: luminosity,</a:t>
+            </a:r>
+          </a:p>
+          <a:p>
+            <a:r>
+              <a:rPr lang="en-US" altLang="zh-CN" sz="2000" dirty="0">
+                <a:latin typeface="Microsoft Uighur" panose="02000000000000000000" pitchFamily="2" charset="-78"/>
+                <a:ea typeface="+mj-ea"/>
+                <a:cs typeface="Microsoft Uighur" panose="02000000000000000000" pitchFamily="2" charset="-78"/>
+              </a:rPr>
+              <a:t>a: red-&gt;green range</a:t>
+            </a:r>
+          </a:p>
+          <a:p>
+            <a:r>
+              <a:rPr lang="en-US" altLang="zh-CN" sz="2000" dirty="0">
+                <a:latin typeface="Microsoft Uighur" panose="02000000000000000000" pitchFamily="2" charset="-78"/>
+                <a:ea typeface="+mj-ea"/>
+                <a:cs typeface="Microsoft Uighur" panose="02000000000000000000" pitchFamily="2" charset="-78"/>
+              </a:rPr>
+              <a:t>b: blue-&gt;yellow range</a:t>
+            </a:r>
+          </a:p>
+          <a:p>
+            <a:r>
+              <a:rPr lang="en-US" altLang="zh-CN" sz="2000" dirty="0" err="1">
+                <a:latin typeface="Microsoft Uighur" panose="02000000000000000000" pitchFamily="2" charset="-78"/>
+                <a:ea typeface="+mj-ea"/>
+                <a:cs typeface="Microsoft Uighur" panose="02000000000000000000" pitchFamily="2" charset="-78"/>
+              </a:rPr>
+              <a:t>x,y:position</a:t>
+            </a:r>
+            <a:endParaRPr lang="zh-CN" altLang="en-US" sz="2000" dirty="0">
+              <a:latin typeface="Microsoft Uighur" panose="02000000000000000000" pitchFamily="2" charset="-78"/>
+              <a:ea typeface="+mj-ea"/>
+              <a:cs typeface="Microsoft Uighur" panose="02000000000000000000" pitchFamily="2" charset="-78"/>
+            </a:endParaRPr>
           </a:p>
         </p:txBody>
       </p:sp>
+      <p:pic>
+        <p:nvPicPr>
+          <p:cNvPr id="7" name="图片 6">
+            <a:extLst>
+              <a:ext uri="{FF2B5EF4-FFF2-40B4-BE49-F238E27FC236}">
+                <a16:creationId xmlns:a16="http://schemas.microsoft.com/office/drawing/2014/main" id="{AD76379C-F61F-48DD-BF63-4627929DD071}"/>
+              </a:ext>
+            </a:extLst>
+          </p:cNvPr>
+          <p:cNvPicPr>
+            <a:picLocks noChangeAspect="1"/>
+          </p:cNvPicPr>
+          <p:nvPr/>
+        </p:nvPicPr>
+        <p:blipFill>
+          <a:blip r:embed="rId5"/>
+          <a:stretch>
+            <a:fillRect/>
+          </a:stretch>
+        </p:blipFill>
+        <p:spPr>
+          <a:xfrm>
+            <a:off x="5982445" y="4849882"/>
+            <a:ext cx="2925416" cy="1316138"/>
+          </a:xfrm>
+          <a:prstGeom prst="rect">
+            <a:avLst/>
+          </a:prstGeom>
+        </p:spPr>
+      </p:pic>
     </p:spTree>
     <p:extLst>
       <p:ext uri="{BB962C8B-B14F-4D97-AF65-F5344CB8AC3E}">
-        <p14:creationId xmlns:p14="http://schemas.microsoft.com/office/powerpoint/2010/main" val="1489286719"/>
+        <p14:creationId xmlns:p14="http://schemas.microsoft.com/office/powerpoint/2010/main" val="894993923"/>
       </p:ext>
     </p:extLst>
   </p:cSld>
@@ -5333,8 +5038,8 @@
         </p:nvSpPr>
         <p:spPr>
           <a:xfrm>
-            <a:off x="5137632" y="411781"/>
-            <a:ext cx="1669048" cy="584775"/>
+            <a:off x="4035568" y="411781"/>
+            <a:ext cx="3873176" cy="1077218"/>
           </a:xfrm>
           <a:prstGeom prst="rect">
             <a:avLst/>
@@ -5354,18 +5059,12 @@
           <a:p>
             <a:pPr algn="ctr"/>
             <a:r>
-              <a:rPr lang="en-US" altLang="zh-CN" sz="3200" dirty="0">
-                <a:solidFill>
-                  <a:schemeClr val="tx1">
-                    <a:lumMod val="75000"/>
-                    <a:lumOff val="25000"/>
-                  </a:schemeClr>
-                </a:solidFill>
-                <a:latin typeface="思源黑体 CN Light" panose="020B0300000000000000" pitchFamily="34" charset="-122"/>
-                <a:ea typeface="思源黑体 CN Light" panose="020B0300000000000000" pitchFamily="34" charset="-122"/>
-              </a:rPr>
-              <a:t>MODEL</a:t>
-            </a:r>
+              <a:rPr lang="en-US" altLang="zh-CN" sz="3200" dirty="0"/>
+              <a:t>Algorithm procedure</a:t>
+            </a:r>
+          </a:p>
+          <a:p>
+            <a:pPr algn="ctr"/>
             <a:endParaRPr lang="zh-CN" altLang="en-US" sz="3200" dirty="0">
               <a:solidFill>
                 <a:schemeClr val="tx1">
@@ -5387,7 +5086,7 @@
         </p:nvCxnSpPr>
         <p:spPr>
           <a:xfrm>
-            <a:off x="7591467" y="704168"/>
+            <a:off x="7908744" y="704168"/>
             <a:ext cx="1778508" cy="0"/>
           </a:xfrm>
           <a:prstGeom prst="line">
@@ -5422,7 +5121,7 @@
         </p:nvCxnSpPr>
         <p:spPr>
           <a:xfrm>
-            <a:off x="2574459" y="704168"/>
+            <a:off x="2257060" y="704168"/>
             <a:ext cx="1778508" cy="0"/>
           </a:xfrm>
           <a:prstGeom prst="line">
@@ -5531,488 +5230,6 @@
           </a:p>
         </p:txBody>
       </p:sp>
-      <p:pic>
-        <p:nvPicPr>
-          <p:cNvPr id="3" name="图片 2">
-            <a:extLst>
-              <a:ext uri="{FF2B5EF4-FFF2-40B4-BE49-F238E27FC236}">
-                <a16:creationId xmlns:a16="http://schemas.microsoft.com/office/drawing/2014/main" id="{06CB1668-78C3-4F0C-BCC9-0B40D68E2B1A}"/>
-              </a:ext>
-            </a:extLst>
-          </p:cNvPr>
-          <p:cNvPicPr>
-            <a:picLocks noChangeAspect="1"/>
-          </p:cNvPicPr>
-          <p:nvPr/>
-        </p:nvPicPr>
-        <p:blipFill>
-          <a:blip r:embed="rId3">
-            <a:extLst>
-              <a:ext uri="{BEBA8EAE-BF5A-486C-A8C5-ECC9F3942E4B}">
-                <a14:imgProps xmlns:a14="http://schemas.microsoft.com/office/drawing/2010/main">
-                  <a14:imgLayer r:embed="rId4">
-                    <a14:imgEffect>
-                      <a14:sharpenSoften amount="25000"/>
-                    </a14:imgEffect>
-                    <a14:imgEffect>
-                      <a14:brightnessContrast contrast="-40000"/>
-                    </a14:imgEffect>
-                  </a14:imgLayer>
-                </a14:imgProps>
-              </a:ext>
-            </a:extLst>
-          </a:blip>
-          <a:stretch>
-            <a:fillRect/>
-          </a:stretch>
-        </p:blipFill>
-        <p:spPr>
-          <a:xfrm>
-            <a:off x="3254702" y="1997736"/>
-            <a:ext cx="5010150" cy="695325"/>
-          </a:xfrm>
-          <a:prstGeom prst="rect">
-            <a:avLst/>
-          </a:prstGeom>
-        </p:spPr>
-      </p:pic>
-      <mc:AlternateContent xmlns:mc="http://schemas.openxmlformats.org/markup-compatibility/2006" xmlns:a14="http://schemas.microsoft.com/office/drawing/2010/main">
-        <mc:Choice Requires="a14">
-          <p:sp>
-            <p:nvSpPr>
-              <p:cNvPr id="10" name="文本框 9">
-                <a:extLst>
-                  <a:ext uri="{FF2B5EF4-FFF2-40B4-BE49-F238E27FC236}">
-                    <a16:creationId xmlns:a16="http://schemas.microsoft.com/office/drawing/2014/main" id="{85A24268-37A7-4227-8BA9-062E0A85BF01}"/>
-                  </a:ext>
-                </a:extLst>
-              </p:cNvPr>
-              <p:cNvSpPr txBox="1"/>
-              <p:nvPr/>
-            </p:nvSpPr>
-            <p:spPr>
-              <a:xfrm>
-                <a:off x="622168" y="2840477"/>
-                <a:ext cx="10633435" cy="1200329"/>
-              </a:xfrm>
-              <a:prstGeom prst="rect">
-                <a:avLst/>
-              </a:prstGeom>
-              <a:noFill/>
-            </p:spPr>
-            <p:txBody>
-              <a:bodyPr wrap="square" rtlCol="0">
-                <a:spAutoFit/>
-              </a:bodyPr>
-              <a:lstStyle/>
-              <a:p>
-                <a14:m>
-                  <m:oMath xmlns:m="http://schemas.openxmlformats.org/officeDocument/2006/math">
-                    <m:r>
-                      <a:rPr lang="en-US" altLang="zh-CN" b="0" i="1" smtClean="0">
-                        <a:latin typeface="Cambria Math" panose="02040503050406030204" pitchFamily="18" charset="0"/>
-                      </a:rPr>
-                      <m:t>𝑉</m:t>
-                    </m:r>
-                    <m:r>
-                      <a:rPr lang="en-US" altLang="zh-CN" b="0" i="1" smtClean="0">
-                        <a:latin typeface="Cambria Math" panose="02040503050406030204" pitchFamily="18" charset="0"/>
-                      </a:rPr>
-                      <m:t>,</m:t>
-                    </m:r>
-                    <m:sSup>
-                      <m:sSupPr>
-                        <m:ctrlPr>
-                          <a:rPr lang="en-US" altLang="zh-CN" b="0" i="1" smtClean="0">
-                            <a:latin typeface="Cambria Math" panose="02040503050406030204" pitchFamily="18" charset="0"/>
-                          </a:rPr>
-                        </m:ctrlPr>
-                      </m:sSupPr>
-                      <m:e>
-                        <m:r>
-                          <a:rPr lang="en-US" altLang="zh-CN" b="0" i="1" smtClean="0">
-                            <a:latin typeface="Cambria Math" panose="02040503050406030204" pitchFamily="18" charset="0"/>
-                          </a:rPr>
-                          <m:t>𝑉</m:t>
-                        </m:r>
-                      </m:e>
-                      <m:sup>
-                        <m:r>
-                          <a:rPr lang="en-US" altLang="zh-CN" b="0" i="1" smtClean="0">
-                            <a:latin typeface="Cambria Math" panose="02040503050406030204" pitchFamily="18" charset="0"/>
-                          </a:rPr>
-                          <m:t>′</m:t>
-                        </m:r>
-                      </m:sup>
-                    </m:sSup>
-                  </m:oMath>
-                </a14:m>
-                <a:r>
-                  <a:rPr lang="en-US" altLang="zh-CN" dirty="0"/>
-                  <a:t> are the sets of “input” and “output” product vectors;</a:t>
-                </a:r>
-              </a:p>
-              <a:p>
-                <a14:m>
-                  <m:oMath xmlns:m="http://schemas.openxmlformats.org/officeDocument/2006/math">
-                    <m:sSub>
-                      <m:sSubPr>
-                        <m:ctrlPr>
-                          <a:rPr lang="en-US" altLang="zh-CN" i="1" smtClean="0">
-                            <a:latin typeface="Cambria Math" panose="02040503050406030204" pitchFamily="18" charset="0"/>
-                          </a:rPr>
-                        </m:ctrlPr>
-                      </m:sSubPr>
-                      <m:e>
-                        <m:r>
-                          <a:rPr lang="en-US" altLang="zh-CN" b="0" i="1" smtClean="0">
-                            <a:latin typeface="Cambria Math" panose="02040503050406030204" pitchFamily="18" charset="0"/>
-                          </a:rPr>
-                          <m:t>𝑣</m:t>
-                        </m:r>
-                      </m:e>
-                      <m:sub>
-                        <m:r>
-                          <a:rPr lang="en-US" altLang="zh-CN" b="0" i="1" smtClean="0">
-                            <a:latin typeface="Cambria Math" panose="02040503050406030204" pitchFamily="18" charset="0"/>
-                          </a:rPr>
-                          <m:t>𝑠</m:t>
-                        </m:r>
-                      </m:sub>
-                    </m:sSub>
-                  </m:oMath>
-                </a14:m>
-                <a:r>
-                  <a:rPr lang="en-US" altLang="zh-CN" dirty="0"/>
-                  <a:t>,</a:t>
-                </a:r>
-                <a14:m>
-                  <m:oMath xmlns:m="http://schemas.openxmlformats.org/officeDocument/2006/math">
-                    <m:sSub>
-                      <m:sSubPr>
-                        <m:ctrlPr>
-                          <a:rPr lang="en-US" altLang="zh-CN" i="1" dirty="0" smtClean="0">
-                            <a:latin typeface="Cambria Math" panose="02040503050406030204" pitchFamily="18" charset="0"/>
-                          </a:rPr>
-                        </m:ctrlPr>
-                      </m:sSubPr>
-                      <m:e>
-                        <m:r>
-                          <a:rPr lang="en-US" altLang="zh-CN" b="0" i="1" dirty="0" smtClean="0">
-                            <a:latin typeface="Cambria Math" panose="02040503050406030204" pitchFamily="18" charset="0"/>
-                          </a:rPr>
-                          <m:t>𝑣</m:t>
-                        </m:r>
-                      </m:e>
-                      <m:sub>
-                        <m:r>
-                          <a:rPr lang="en-US" altLang="zh-CN" b="0" i="1" dirty="0" smtClean="0">
-                            <a:latin typeface="Cambria Math" panose="02040503050406030204" pitchFamily="18" charset="0"/>
-                          </a:rPr>
-                          <m:t>𝑠</m:t>
-                        </m:r>
-                      </m:sub>
-                    </m:sSub>
-                    <m:r>
-                      <a:rPr lang="en-US" altLang="zh-CN" b="0" i="1" dirty="0" smtClean="0">
-                        <a:latin typeface="Cambria Math" panose="02040503050406030204" pitchFamily="18" charset="0"/>
-                      </a:rPr>
-                      <m:t>′</m:t>
-                    </m:r>
-                  </m:oMath>
-                </a14:m>
-                <a:r>
-                  <a:rPr lang="en-US" altLang="zh-CN" dirty="0"/>
-                  <a:t>∈ </a:t>
-                </a:r>
-                <a14:m>
-                  <m:oMath xmlns:m="http://schemas.openxmlformats.org/officeDocument/2006/math">
-                    <m:sSup>
-                      <m:sSupPr>
-                        <m:ctrlPr>
-                          <a:rPr lang="en-US" altLang="zh-CN" i="1" smtClean="0">
-                            <a:latin typeface="Cambria Math" panose="02040503050406030204" pitchFamily="18" charset="0"/>
-                          </a:rPr>
-                        </m:ctrlPr>
-                      </m:sSupPr>
-                      <m:e>
-                        <m:r>
-                          <a:rPr lang="en-US" altLang="zh-CN" i="1" smtClean="0">
-                            <a:latin typeface="Cambria Math" panose="02040503050406030204" pitchFamily="18" charset="0"/>
-                            <a:ea typeface="Cambria Math" panose="02040503050406030204" pitchFamily="18" charset="0"/>
-                          </a:rPr>
-                          <m:t>ℜ</m:t>
-                        </m:r>
-                      </m:e>
-                      <m:sup>
-                        <m:r>
-                          <a:rPr lang="en-US" altLang="zh-CN" b="0" i="1" smtClean="0">
-                            <a:latin typeface="Cambria Math" panose="02040503050406030204" pitchFamily="18" charset="0"/>
-                          </a:rPr>
-                          <m:t>𝑀</m:t>
-                        </m:r>
-                      </m:sup>
-                    </m:sSup>
-                  </m:oMath>
-                </a14:m>
-                <a:r>
-                  <a:rPr lang="en-US" altLang="zh-CN" dirty="0"/>
-                  <a:t>be the M-dimensional “input” and “output” vectors of product s;</a:t>
-                </a:r>
-              </a:p>
-              <a:p>
-                <a14:m>
-                  <m:oMath xmlns:m="http://schemas.openxmlformats.org/officeDocument/2006/math">
-                    <m:r>
-                      <a:rPr lang="en-US" altLang="zh-CN" b="0" i="1" smtClean="0">
-                        <a:latin typeface="Cambria Math" panose="02040503050406030204" pitchFamily="18" charset="0"/>
-                      </a:rPr>
-                      <m:t>𝐵</m:t>
-                    </m:r>
-                  </m:oMath>
-                </a14:m>
-                <a:r>
-                  <a:rPr lang="en-US" altLang="zh-CN" dirty="0"/>
-                  <a:t> is the set of all shopping baskets, </a:t>
-                </a:r>
-                <a14:m>
-                  <m:oMath xmlns:m="http://schemas.openxmlformats.org/officeDocument/2006/math">
-                    <m:r>
-                      <a:rPr lang="en-US" altLang="zh-CN" b="0" i="1" smtClean="0">
-                        <a:latin typeface="Cambria Math" panose="02040503050406030204" pitchFamily="18" charset="0"/>
-                      </a:rPr>
-                      <m:t>𝑏</m:t>
-                    </m:r>
-                  </m:oMath>
-                </a14:m>
-                <a:r>
-                  <a:rPr lang="en-US" altLang="zh-CN" dirty="0"/>
-                  <a:t> is a shopping basket in the set </a:t>
-                </a:r>
-                <a14:m>
-                  <m:oMath xmlns:m="http://schemas.openxmlformats.org/officeDocument/2006/math">
-                    <m:r>
-                      <a:rPr lang="en-US" altLang="zh-CN" i="1">
-                        <a:latin typeface="Cambria Math" panose="02040503050406030204" pitchFamily="18" charset="0"/>
-                      </a:rPr>
-                      <m:t>𝐵</m:t>
-                    </m:r>
-                  </m:oMath>
-                </a14:m>
-                <a:r>
-                  <a:rPr lang="en-US" altLang="zh-CN" dirty="0"/>
-                  <a:t>, </a:t>
-                </a:r>
-                <a14:m>
-                  <m:oMath xmlns:m="http://schemas.openxmlformats.org/officeDocument/2006/math">
-                    <m:r>
-                      <a:rPr lang="en-US" altLang="zh-CN" b="0" i="1" smtClean="0">
-                        <a:latin typeface="Cambria Math" panose="02040503050406030204" pitchFamily="18" charset="0"/>
-                      </a:rPr>
-                      <m:t>𝑠</m:t>
-                    </m:r>
-                  </m:oMath>
-                </a14:m>
-                <a:r>
-                  <a:rPr lang="en-US" altLang="zh-CN" dirty="0"/>
-                  <a:t> is an product in the basket; </a:t>
-                </a:r>
-              </a:p>
-              <a:p>
-                <a14:m>
-                  <m:oMath xmlns:m="http://schemas.openxmlformats.org/officeDocument/2006/math">
-                    <m:r>
-                      <a:rPr lang="en-US" altLang="zh-CN" b="0" i="1" smtClean="0">
-                        <a:latin typeface="Cambria Math" panose="02040503050406030204" pitchFamily="18" charset="0"/>
-                      </a:rPr>
-                      <m:t>𝑐</m:t>
-                    </m:r>
-                  </m:oMath>
-                </a14:m>
-                <a:r>
-                  <a:rPr lang="en-US" altLang="zh-CN" dirty="0"/>
-                  <a:t> is the length of the context for product sequences.</a:t>
-                </a:r>
-                <a:endParaRPr lang="zh-CN" altLang="en-US" dirty="0"/>
-              </a:p>
-            </p:txBody>
-          </p:sp>
-        </mc:Choice>
-        <mc:Fallback xmlns="">
-          <p:sp>
-            <p:nvSpPr>
-              <p:cNvPr id="10" name="文本框 9">
-                <a:extLst>
-                  <a:ext uri="{FF2B5EF4-FFF2-40B4-BE49-F238E27FC236}">
-                    <a16:creationId xmlns:a16="http://schemas.microsoft.com/office/drawing/2014/main" id="{85A24268-37A7-4227-8BA9-062E0A85BF01}"/>
-                  </a:ext>
-                </a:extLst>
-              </p:cNvPr>
-              <p:cNvSpPr txBox="1">
-                <a:spLocks noRot="1" noChangeAspect="1" noMove="1" noResize="1" noEditPoints="1" noAdjustHandles="1" noChangeArrowheads="1" noChangeShapeType="1" noTextEdit="1"/>
-              </p:cNvSpPr>
-              <p:nvPr/>
-            </p:nvSpPr>
-            <p:spPr>
-              <a:xfrm>
-                <a:off x="622168" y="2840477"/>
-                <a:ext cx="10633435" cy="1200329"/>
-              </a:xfrm>
-              <a:prstGeom prst="rect">
-                <a:avLst/>
-              </a:prstGeom>
-              <a:blipFill>
-                <a:blip r:embed="rId5"/>
-                <a:stretch>
-                  <a:fillRect t="-3046" b="-7107"/>
-                </a:stretch>
-              </a:blipFill>
-            </p:spPr>
-            <p:txBody>
-              <a:bodyPr/>
-              <a:lstStyle/>
-              <a:p>
-                <a:r>
-                  <a:rPr lang="zh-CN" altLang="en-US">
-                    <a:noFill/>
-                  </a:rPr>
-                  <a:t> </a:t>
-                </a:r>
-              </a:p>
-            </p:txBody>
-          </p:sp>
-        </mc:Fallback>
-      </mc:AlternateContent>
-      <p:pic>
-        <p:nvPicPr>
-          <p:cNvPr id="6" name="图片 5">
-            <a:extLst>
-              <a:ext uri="{FF2B5EF4-FFF2-40B4-BE49-F238E27FC236}">
-                <a16:creationId xmlns:a16="http://schemas.microsoft.com/office/drawing/2014/main" id="{01F9BBF9-1648-43C3-BCD7-4263929853E1}"/>
-              </a:ext>
-            </a:extLst>
-          </p:cNvPr>
-          <p:cNvPicPr>
-            <a:picLocks noChangeAspect="1"/>
-          </p:cNvPicPr>
-          <p:nvPr/>
-        </p:nvPicPr>
-        <p:blipFill>
-          <a:blip r:embed="rId6">
-            <a:extLst>
-              <a:ext uri="{BEBA8EAE-BF5A-486C-A8C5-ECC9F3942E4B}">
-                <a14:imgProps xmlns:a14="http://schemas.microsoft.com/office/drawing/2010/main">
-                  <a14:imgLayer r:embed="rId7">
-                    <a14:imgEffect>
-                      <a14:sharpenSoften amount="50000"/>
-                    </a14:imgEffect>
-                    <a14:imgEffect>
-                      <a14:brightnessContrast contrast="-40000"/>
-                    </a14:imgEffect>
-                  </a14:imgLayer>
-                </a14:imgProps>
-              </a:ext>
-            </a:extLst>
-          </a:blip>
-          <a:stretch>
-            <a:fillRect/>
-          </a:stretch>
-        </p:blipFill>
-        <p:spPr>
-          <a:xfrm>
-            <a:off x="3964434" y="4109193"/>
-            <a:ext cx="3552825" cy="809625"/>
-          </a:xfrm>
-          <a:prstGeom prst="rect">
-            <a:avLst/>
-          </a:prstGeom>
-        </p:spPr>
-      </p:pic>
-      <p:sp>
-        <p:nvSpPr>
-          <p:cNvPr id="12" name="文本框 11">
-            <a:extLst>
-              <a:ext uri="{FF2B5EF4-FFF2-40B4-BE49-F238E27FC236}">
-                <a16:creationId xmlns:a16="http://schemas.microsoft.com/office/drawing/2014/main" id="{555AFB76-669A-4D6E-A480-9F8D69416B81}"/>
-              </a:ext>
-            </a:extLst>
-          </p:cNvPr>
-          <p:cNvSpPr txBox="1"/>
-          <p:nvPr/>
-        </p:nvSpPr>
-        <p:spPr>
-          <a:xfrm>
-            <a:off x="685898" y="4987205"/>
-            <a:ext cx="5137608" cy="369332"/>
-          </a:xfrm>
-          <a:prstGeom prst="rect">
-            <a:avLst/>
-          </a:prstGeom>
-          <a:noFill/>
-        </p:spPr>
-        <p:txBody>
-          <a:bodyPr wrap="square" rtlCol="0">
-            <a:spAutoFit/>
-          </a:bodyPr>
-          <a:lstStyle/>
-          <a:p>
-            <a:r>
-              <a:rPr lang="en-US" altLang="zh-CN" b="1" dirty="0"/>
-              <a:t>Negative sampling technique</a:t>
-            </a:r>
-            <a:r>
-              <a:rPr lang="en-US" altLang="zh-CN" dirty="0"/>
-              <a:t>:</a:t>
-            </a:r>
-            <a:endParaRPr lang="zh-CN" altLang="en-US" dirty="0"/>
-          </a:p>
-        </p:txBody>
-      </p:sp>
-      <p:pic>
-        <p:nvPicPr>
-          <p:cNvPr id="7" name="图片 6">
-            <a:extLst>
-              <a:ext uri="{FF2B5EF4-FFF2-40B4-BE49-F238E27FC236}">
-                <a16:creationId xmlns:a16="http://schemas.microsoft.com/office/drawing/2014/main" id="{014A2107-89CD-4298-AAD3-913A8FF616EE}"/>
-              </a:ext>
-            </a:extLst>
-          </p:cNvPr>
-          <p:cNvPicPr>
-            <a:picLocks noChangeAspect="1"/>
-          </p:cNvPicPr>
-          <p:nvPr/>
-        </p:nvPicPr>
-        <p:blipFill>
-          <a:blip r:embed="rId8">
-            <a:extLst>
-              <a:ext uri="{BEBA8EAE-BF5A-486C-A8C5-ECC9F3942E4B}">
-                <a14:imgProps xmlns:a14="http://schemas.microsoft.com/office/drawing/2010/main">
-                  <a14:imgLayer r:embed="rId9">
-                    <a14:imgEffect>
-                      <a14:sharpenSoften amount="50000"/>
-                    </a14:imgEffect>
-                    <a14:imgEffect>
-                      <a14:brightnessContrast contrast="-40000"/>
-                    </a14:imgEffect>
-                  </a14:imgLayer>
-                </a14:imgProps>
-              </a:ext>
-            </a:extLst>
-          </a:blip>
-          <a:stretch>
-            <a:fillRect/>
-          </a:stretch>
-        </p:blipFill>
-        <p:spPr>
-          <a:xfrm>
-            <a:off x="3228975" y="5480613"/>
-            <a:ext cx="5734050" cy="752475"/>
-          </a:xfrm>
-          <a:prstGeom prst="rect">
-            <a:avLst/>
-          </a:prstGeom>
-        </p:spPr>
-      </p:pic>
       <p:sp>
         <p:nvSpPr>
           <p:cNvPr id="14" name="文本框 13">
@@ -6049,7 +5266,7 @@
                   </a:schemeClr>
                 </a:solidFill>
               </a:rPr>
-              <a:t>Product2Vec: Learning the Vector Representations of Products</a:t>
+              <a:t>Postprocessing</a:t>
             </a:r>
             <a:endParaRPr lang="zh-CN" altLang="en-US" sz="2000" b="1" dirty="0">
               <a:solidFill>
